--- a/docs/songs/revelation song.pptx
+++ b/docs/songs/revelation song.pptx
@@ -5,10 +5,10 @@
     <p:sldMasterId id="2147483648" r:id="rId1"/>
   </p:sldMasterIdLst>
   <p:sldIdLst>
-    <p:sldId id="453" r:id="rId2"/>
-    <p:sldId id="447" r:id="rId3"/>
-    <p:sldId id="448" r:id="rId4"/>
-    <p:sldId id="449" r:id="rId5"/>
+    <p:sldId id="1280" r:id="rId2"/>
+    <p:sldId id="1281" r:id="rId3"/>
+    <p:sldId id="1282" r:id="rId4"/>
+    <p:sldId id="1283" r:id="rId5"/>
     <p:sldId id="684" r:id="rId6"/>
   </p:sldIdLst>
   <p:sldSz cx="9144000" cy="6858000" type="screen4x3"/>
@@ -309,7 +309,7 @@
             <a:fld id="{26EA1CF3-4A15-4CBF-9A5A-6A56C368BE71}" type="datetimeFigureOut">
               <a:rPr lang="en-GB" smtClean="0"/>
               <a:pPr/>
-              <a:t>03/10/2022</a:t>
+              <a:t>10/03/2025</a:t>
             </a:fld>
             <a:endParaRPr lang="en-GB"/>
           </a:p>
@@ -476,7 +476,7 @@
             <a:fld id="{26EA1CF3-4A15-4CBF-9A5A-6A56C368BE71}" type="datetimeFigureOut">
               <a:rPr lang="en-GB" smtClean="0"/>
               <a:pPr/>
-              <a:t>03/10/2022</a:t>
+              <a:t>10/03/2025</a:t>
             </a:fld>
             <a:endParaRPr lang="en-GB"/>
           </a:p>
@@ -653,7 +653,7 @@
             <a:fld id="{26EA1CF3-4A15-4CBF-9A5A-6A56C368BE71}" type="datetimeFigureOut">
               <a:rPr lang="en-GB" smtClean="0"/>
               <a:pPr/>
-              <a:t>03/10/2022</a:t>
+              <a:t>10/03/2025</a:t>
             </a:fld>
             <a:endParaRPr lang="en-GB"/>
           </a:p>
@@ -820,7 +820,7 @@
             <a:fld id="{26EA1CF3-4A15-4CBF-9A5A-6A56C368BE71}" type="datetimeFigureOut">
               <a:rPr lang="en-GB" smtClean="0"/>
               <a:pPr/>
-              <a:t>03/10/2022</a:t>
+              <a:t>10/03/2025</a:t>
             </a:fld>
             <a:endParaRPr lang="en-GB"/>
           </a:p>
@@ -1063,7 +1063,7 @@
             <a:fld id="{26EA1CF3-4A15-4CBF-9A5A-6A56C368BE71}" type="datetimeFigureOut">
               <a:rPr lang="en-GB" smtClean="0"/>
               <a:pPr/>
-              <a:t>03/10/2022</a:t>
+              <a:t>10/03/2025</a:t>
             </a:fld>
             <a:endParaRPr lang="en-GB"/>
           </a:p>
@@ -1348,7 +1348,7 @@
             <a:fld id="{26EA1CF3-4A15-4CBF-9A5A-6A56C368BE71}" type="datetimeFigureOut">
               <a:rPr lang="en-GB" smtClean="0"/>
               <a:pPr/>
-              <a:t>03/10/2022</a:t>
+              <a:t>10/03/2025</a:t>
             </a:fld>
             <a:endParaRPr lang="en-GB"/>
           </a:p>
@@ -1767,7 +1767,7 @@
             <a:fld id="{26EA1CF3-4A15-4CBF-9A5A-6A56C368BE71}" type="datetimeFigureOut">
               <a:rPr lang="en-GB" smtClean="0"/>
               <a:pPr/>
-              <a:t>03/10/2022</a:t>
+              <a:t>10/03/2025</a:t>
             </a:fld>
             <a:endParaRPr lang="en-GB"/>
           </a:p>
@@ -1882,7 +1882,7 @@
             <a:fld id="{26EA1CF3-4A15-4CBF-9A5A-6A56C368BE71}" type="datetimeFigureOut">
               <a:rPr lang="en-GB" smtClean="0"/>
               <a:pPr/>
-              <a:t>03/10/2022</a:t>
+              <a:t>10/03/2025</a:t>
             </a:fld>
             <a:endParaRPr lang="en-GB"/>
           </a:p>
@@ -1974,7 +1974,7 @@
             <a:fld id="{26EA1CF3-4A15-4CBF-9A5A-6A56C368BE71}" type="datetimeFigureOut">
               <a:rPr lang="en-GB" smtClean="0"/>
               <a:pPr/>
-              <a:t>03/10/2022</a:t>
+              <a:t>10/03/2025</a:t>
             </a:fld>
             <a:endParaRPr lang="en-GB"/>
           </a:p>
@@ -2248,7 +2248,7 @@
             <a:fld id="{26EA1CF3-4A15-4CBF-9A5A-6A56C368BE71}" type="datetimeFigureOut">
               <a:rPr lang="en-GB" smtClean="0"/>
               <a:pPr/>
-              <a:t>03/10/2022</a:t>
+              <a:t>10/03/2025</a:t>
             </a:fld>
             <a:endParaRPr lang="en-GB"/>
           </a:p>
@@ -2498,7 +2498,7 @@
             <a:fld id="{26EA1CF3-4A15-4CBF-9A5A-6A56C368BE71}" type="datetimeFigureOut">
               <a:rPr lang="en-GB" smtClean="0"/>
               <a:pPr/>
-              <a:t>03/10/2022</a:t>
+              <a:t>10/03/2025</a:t>
             </a:fld>
             <a:endParaRPr lang="en-GB"/>
           </a:p>
@@ -2711,7 +2711,7 @@
             <a:fld id="{26EA1CF3-4A15-4CBF-9A5A-6A56C368BE71}" type="datetimeFigureOut">
               <a:rPr lang="en-GB" smtClean="0"/>
               <a:pPr/>
-              <a:t>03/10/2022</a:t>
+              <a:t>10/03/2025</a:t>
             </a:fld>
             <a:endParaRPr lang="en-GB"/>
           </a:p>
@@ -3221,7 +3221,7 @@
     </p:spTree>
     <p:extLst>
       <p:ext uri="{BB962C8B-B14F-4D97-AF65-F5344CB8AC3E}">
-        <p14:creationId xmlns:p14="http://schemas.microsoft.com/office/powerpoint/2010/main" val="3107317129"/>
+        <p14:creationId xmlns:p14="http://schemas.microsoft.com/office/powerpoint/2010/main" val="2849063281"/>
       </p:ext>
     </p:extLst>
   </p:cSld>
@@ -3260,7 +3260,7 @@
         </p:nvSpPr>
         <p:spPr>
           <a:xfrm>
-            <a:off x="323528" y="188640"/>
+            <a:off x="395536" y="764704"/>
             <a:ext cx="8640960" cy="6480720"/>
           </a:xfrm>
         </p:spPr>
@@ -3271,7 +3271,7 @@
           <a:lstStyle/>
           <a:p>
             <a:r>
-              <a:rPr lang="en-GB" sz="4600" dirty="0">
+              <a:rPr lang="en-GB" sz="3600" dirty="0">
                 <a:solidFill>
                   <a:schemeClr val="bg1"/>
                 </a:solidFill>
@@ -3281,7 +3281,7 @@
           </a:p>
           <a:p>
             <a:r>
-              <a:rPr lang="en-GB" sz="4600" dirty="0">
+              <a:rPr lang="en-GB" sz="3600" dirty="0">
                 <a:solidFill>
                   <a:schemeClr val="bg1"/>
                 </a:solidFill>
@@ -3289,7 +3289,7 @@
               <a:t>Holy </a:t>
             </a:r>
             <a:r>
-              <a:rPr lang="en-GB" sz="4600" dirty="0" err="1">
+              <a:rPr lang="en-GB" sz="3600" dirty="0" err="1">
                 <a:solidFill>
                   <a:schemeClr val="bg1"/>
                 </a:solidFill>
@@ -3297,7 +3297,7 @@
               <a:t>holy</a:t>
             </a:r>
             <a:r>
-              <a:rPr lang="en-GB" sz="4600" dirty="0">
+              <a:rPr lang="en-GB" sz="3600" dirty="0">
                 <a:solidFill>
                   <a:schemeClr val="bg1"/>
                 </a:solidFill>
@@ -3307,7 +3307,7 @@
           </a:p>
           <a:p>
             <a:r>
-              <a:rPr lang="en-GB" sz="4600" dirty="0">
+              <a:rPr lang="en-GB" sz="3600" dirty="0">
                 <a:solidFill>
                   <a:schemeClr val="bg1"/>
                 </a:solidFill>
@@ -3317,7 +3317,7 @@
           </a:p>
           <a:p>
             <a:r>
-              <a:rPr lang="en-GB" sz="4600" dirty="0">
+              <a:rPr lang="en-GB" sz="3600" dirty="0">
                 <a:solidFill>
                   <a:schemeClr val="bg1"/>
                 </a:solidFill>
@@ -3363,7 +3363,7 @@
     </p:spTree>
     <p:extLst>
       <p:ext uri="{BB962C8B-B14F-4D97-AF65-F5344CB8AC3E}">
-        <p14:creationId xmlns:p14="http://schemas.microsoft.com/office/powerpoint/2010/main" val="2203528704"/>
+        <p14:creationId xmlns:p14="http://schemas.microsoft.com/office/powerpoint/2010/main" val="1976150679"/>
       </p:ext>
     </p:extLst>
   </p:cSld>
@@ -3402,7 +3402,7 @@
         </p:nvSpPr>
         <p:spPr>
           <a:xfrm>
-            <a:off x="323528" y="188640"/>
+            <a:off x="251520" y="764704"/>
             <a:ext cx="8640960" cy="6480720"/>
           </a:xfrm>
         </p:spPr>
@@ -3413,7 +3413,7 @@
           <a:lstStyle/>
           <a:p>
             <a:r>
-              <a:rPr lang="en-GB" sz="5000" dirty="0">
+              <a:rPr lang="en-GB" sz="3600" dirty="0">
                 <a:solidFill>
                   <a:schemeClr val="bg1"/>
                 </a:solidFill>
@@ -3423,7 +3423,7 @@
           </a:p>
           <a:p>
             <a:r>
-              <a:rPr lang="en-GB" sz="5000" dirty="0">
+              <a:rPr lang="en-GB" sz="3600" dirty="0">
                 <a:solidFill>
                   <a:schemeClr val="bg1"/>
                 </a:solidFill>
@@ -3433,7 +3433,7 @@
           </a:p>
           <a:p>
             <a:r>
-              <a:rPr lang="en-GB" sz="5000" dirty="0">
+              <a:rPr lang="en-GB" sz="3600" dirty="0">
                 <a:solidFill>
                   <a:schemeClr val="bg1"/>
                 </a:solidFill>
@@ -3443,7 +3443,7 @@
           </a:p>
           <a:p>
             <a:r>
-              <a:rPr lang="en-GB" sz="5000" dirty="0">
+              <a:rPr lang="en-GB" sz="3600" dirty="0">
                 <a:solidFill>
                   <a:schemeClr val="bg1"/>
                 </a:solidFill>
@@ -3453,7 +3453,7 @@
           </a:p>
           <a:p>
             <a:r>
-              <a:rPr lang="en-GB" sz="5000" dirty="0">
+              <a:rPr lang="en-GB" sz="3600" dirty="0">
                 <a:solidFill>
                   <a:schemeClr val="bg1"/>
                 </a:solidFill>
@@ -3463,7 +3463,7 @@
           </a:p>
           <a:p>
             <a:r>
-              <a:rPr lang="en-GB" sz="5000" dirty="0">
+              <a:rPr lang="en-GB" sz="3600" dirty="0">
                 <a:solidFill>
                   <a:schemeClr val="bg1"/>
                 </a:solidFill>
@@ -3471,14 +3471,14 @@
               <a:t>You are my </a:t>
             </a:r>
             <a:r>
-              <a:rPr lang="en-GB" sz="5000" dirty="0" err="1">
+              <a:rPr lang="en-GB" sz="3600" dirty="0" err="1">
                 <a:solidFill>
                   <a:schemeClr val="bg1"/>
                 </a:solidFill>
               </a:rPr>
               <a:t>ev'rything</a:t>
             </a:r>
-            <a:endParaRPr lang="en-GB" sz="5000" dirty="0">
+            <a:endParaRPr lang="en-GB" sz="3600" dirty="0">
               <a:solidFill>
                 <a:schemeClr val="bg1"/>
               </a:solidFill>
@@ -3486,7 +3486,7 @@
           </a:p>
           <a:p>
             <a:r>
-              <a:rPr lang="en-GB" sz="5000" dirty="0">
+              <a:rPr lang="en-GB" sz="3600" dirty="0">
                 <a:solidFill>
                   <a:schemeClr val="bg1"/>
                 </a:solidFill>
@@ -3532,7 +3532,7 @@
     </p:spTree>
     <p:extLst>
       <p:ext uri="{BB962C8B-B14F-4D97-AF65-F5344CB8AC3E}">
-        <p14:creationId xmlns:p14="http://schemas.microsoft.com/office/powerpoint/2010/main" val="288803818"/>
+        <p14:creationId xmlns:p14="http://schemas.microsoft.com/office/powerpoint/2010/main" val="3385051363"/>
       </p:ext>
     </p:extLst>
   </p:cSld>
@@ -3571,7 +3571,7 @@
         </p:nvSpPr>
         <p:spPr>
           <a:xfrm>
-            <a:off x="107504" y="188640"/>
+            <a:off x="143508" y="764704"/>
             <a:ext cx="8856984" cy="6480720"/>
           </a:xfrm>
         </p:spPr>
@@ -3582,7 +3582,7 @@
           <a:lstStyle/>
           <a:p>
             <a:r>
-              <a:rPr lang="en-GB" sz="4600" dirty="0">
+              <a:rPr lang="en-GB" sz="3600" dirty="0">
                 <a:solidFill>
                   <a:schemeClr val="bg1"/>
                 </a:solidFill>
@@ -3592,7 +3592,7 @@
           </a:p>
           <a:p>
             <a:r>
-              <a:rPr lang="en-GB" sz="4600" dirty="0">
+              <a:rPr lang="en-GB" sz="3600" dirty="0">
                 <a:solidFill>
                   <a:schemeClr val="bg1"/>
                 </a:solidFill>
@@ -3602,33 +3602,17 @@
           </a:p>
           <a:p>
             <a:r>
-              <a:rPr lang="en-GB" sz="4600" dirty="0">
+              <a:rPr lang="en-GB" sz="3600" dirty="0">
                 <a:solidFill>
                   <a:schemeClr val="bg1"/>
                 </a:solidFill>
               </a:rPr>
-              <a:t>Blessing and honour strength </a:t>
-            </a:r>
-            <a:r>
-              <a:rPr lang="en-GB" sz="4600">
-                <a:solidFill>
-                  <a:schemeClr val="bg1"/>
-                </a:solidFill>
-              </a:rPr>
-              <a:t>and Glory </a:t>
-            </a:r>
-            <a:r>
-              <a:rPr lang="en-GB" sz="4600" dirty="0">
-                <a:solidFill>
-                  <a:schemeClr val="bg1"/>
-                </a:solidFill>
-              </a:rPr>
-              <a:t>and power be</a:t>
-            </a:r>
-          </a:p>
-          <a:p>
-            <a:r>
-              <a:rPr lang="en-GB" sz="4600" dirty="0">
+              <a:t>Blessing and honour strength and Glory and power be</a:t>
+            </a:r>
+          </a:p>
+          <a:p>
+            <a:r>
+              <a:rPr lang="en-GB" sz="3600" dirty="0">
                 <a:solidFill>
                   <a:schemeClr val="bg1"/>
                 </a:solidFill>
@@ -3674,7 +3658,7 @@
     </p:spTree>
     <p:extLst>
       <p:ext uri="{BB962C8B-B14F-4D97-AF65-F5344CB8AC3E}">
-        <p14:creationId xmlns:p14="http://schemas.microsoft.com/office/powerpoint/2010/main" val="300558806"/>
+        <p14:creationId xmlns:p14="http://schemas.microsoft.com/office/powerpoint/2010/main" val="1312771098"/>
       </p:ext>
     </p:extLst>
   </p:cSld>
@@ -3713,7 +3697,7 @@
         </p:nvSpPr>
         <p:spPr>
           <a:xfrm>
-            <a:off x="107504" y="188640"/>
+            <a:off x="143508" y="692696"/>
             <a:ext cx="8856984" cy="6480720"/>
           </a:xfrm>
         </p:spPr>
@@ -3724,7 +3708,7 @@
           <a:lstStyle/>
           <a:p>
             <a:r>
-              <a:rPr lang="en-GB" sz="4600" dirty="0">
+              <a:rPr lang="en-GB" sz="3600" dirty="0">
                 <a:solidFill>
                   <a:schemeClr val="bg1"/>
                 </a:solidFill>
@@ -3734,7 +3718,7 @@
           </a:p>
           <a:p>
             <a:r>
-              <a:rPr lang="en-GB" sz="4600" dirty="0">
+              <a:rPr lang="en-GB" sz="3600" dirty="0">
                 <a:solidFill>
                   <a:schemeClr val="bg1"/>
                 </a:solidFill>
@@ -3744,7 +3728,7 @@
           </a:p>
           <a:p>
             <a:r>
-              <a:rPr lang="en-GB" sz="4600" dirty="0">
+              <a:rPr lang="en-GB" sz="3600" dirty="0">
                 <a:solidFill>
                   <a:schemeClr val="bg1"/>
                 </a:solidFill>
@@ -3754,7 +3738,7 @@
           </a:p>
           <a:p>
             <a:r>
-              <a:rPr lang="en-GB" sz="4600" dirty="0">
+              <a:rPr lang="en-GB" sz="3600" dirty="0">
                 <a:solidFill>
                   <a:schemeClr val="bg1"/>
                 </a:solidFill>
@@ -3762,7 +3746,7 @@
               <a:t>Such a </a:t>
             </a:r>
             <a:r>
-              <a:rPr lang="en-GB" sz="4600" dirty="0" err="1">
+              <a:rPr lang="en-GB" sz="3600" dirty="0" err="1">
                 <a:solidFill>
                   <a:schemeClr val="bg1"/>
                 </a:solidFill>
@@ -3770,7 +3754,7 @@
               <a:t>marv'lous</a:t>
             </a:r>
             <a:r>
-              <a:rPr lang="en-GB" sz="4600" dirty="0">
+              <a:rPr lang="en-GB" sz="3600" dirty="0">
                 <a:solidFill>
                   <a:schemeClr val="bg1"/>
                 </a:solidFill>
